--- a/notes/16_sparql/16sparql.pptx
+++ b/notes/16_sparql/16sparql.pptx
@@ -4888,7 +4888,7 @@
               <a:buNone/>
             </a:pPr>
             <a:r>
-              <a:rPr lang="en-US" altLang="en-US">
+              <a:rPr lang="en-US" altLang="en-US" dirty="0">
                 <a:solidFill>
                   <a:schemeClr val="tx1"/>
                 </a:solidFill>
@@ -4899,7 +4899,7 @@
               <a:t># find URIs for cities in Maryland</a:t>
             </a:r>
             <a:br>
-              <a:rPr lang="en-US" altLang="en-US">
+              <a:rPr lang="en-US" altLang="en-US" dirty="0">
                 <a:solidFill>
                   <a:schemeClr val="tx1"/>
                 </a:solidFill>
@@ -4909,7 +4909,7 @@
               </a:rPr>
             </a:br>
             <a:r>
-              <a:rPr lang="en-US" altLang="en-US">
+              <a:rPr lang="en-US" altLang="en-US" dirty="0">
                 <a:solidFill>
                   <a:schemeClr val="tx1"/>
                 </a:solidFill>
@@ -4917,7 +4917,73 @@
                 <a:ea typeface="ＭＳ Ｐゴシック" panose="020B0600070205080204" pitchFamily="34" charset="-128"/>
                 <a:cs typeface="Arial" panose="020B0604020202020204" pitchFamily="34" charset="0"/>
               </a:rPr>
-              <a:t>PREFIX yago:  &lt;http://dbpedia.org/class/yago/&gt;</a:t>
+              <a:t>PREFIX </a:t>
+            </a:r>
+            <a:r>
+              <a:rPr lang="en-US" altLang="en-US" dirty="0" err="1">
+                <a:solidFill>
+                  <a:schemeClr val="tx1"/>
+                </a:solidFill>
+                <a:latin typeface="Arial" panose="020B0604020202020204" pitchFamily="34" charset="0"/>
+                <a:ea typeface="ＭＳ Ｐゴシック" panose="020B0600070205080204" pitchFamily="34" charset="-128"/>
+                <a:cs typeface="Arial" panose="020B0604020202020204" pitchFamily="34" charset="0"/>
+              </a:rPr>
+              <a:t>yago</a:t>
+            </a:r>
+            <a:r>
+              <a:rPr lang="en-US" altLang="en-US" dirty="0">
+                <a:solidFill>
+                  <a:schemeClr val="tx1"/>
+                </a:solidFill>
+                <a:latin typeface="Arial" panose="020B0604020202020204" pitchFamily="34" charset="0"/>
+                <a:ea typeface="ＭＳ Ｐゴシック" panose="020B0600070205080204" pitchFamily="34" charset="-128"/>
+                <a:cs typeface="Arial" panose="020B0604020202020204" pitchFamily="34" charset="0"/>
+              </a:rPr>
+              <a:t>:  &lt;http://</a:t>
+            </a:r>
+            <a:r>
+              <a:rPr lang="en-US" altLang="en-US" dirty="0" err="1">
+                <a:solidFill>
+                  <a:schemeClr val="tx1"/>
+                </a:solidFill>
+                <a:latin typeface="Arial" panose="020B0604020202020204" pitchFamily="34" charset="0"/>
+                <a:ea typeface="ＭＳ Ｐゴシック" panose="020B0600070205080204" pitchFamily="34" charset="-128"/>
+                <a:cs typeface="Arial" panose="020B0604020202020204" pitchFamily="34" charset="0"/>
+              </a:rPr>
+              <a:t>dbpedia.org</a:t>
+            </a:r>
+            <a:r>
+              <a:rPr lang="en-US" altLang="en-US" dirty="0">
+                <a:solidFill>
+                  <a:schemeClr val="tx1"/>
+                </a:solidFill>
+                <a:latin typeface="Arial" panose="020B0604020202020204" pitchFamily="34" charset="0"/>
+                <a:ea typeface="ＭＳ Ｐゴシック" panose="020B0600070205080204" pitchFamily="34" charset="-128"/>
+                <a:cs typeface="Arial" panose="020B0604020202020204" pitchFamily="34" charset="0"/>
+              </a:rPr>
+              <a:t>/class/</a:t>
+            </a:r>
+            <a:r>
+              <a:rPr lang="en-US" altLang="en-US" dirty="0" err="1">
+                <a:solidFill>
+                  <a:schemeClr val="tx1"/>
+                </a:solidFill>
+                <a:latin typeface="Arial" panose="020B0604020202020204" pitchFamily="34" charset="0"/>
+                <a:ea typeface="ＭＳ Ｐゴシック" panose="020B0600070205080204" pitchFamily="34" charset="-128"/>
+                <a:cs typeface="Arial" panose="020B0604020202020204" pitchFamily="34" charset="0"/>
+              </a:rPr>
+              <a:t>yago</a:t>
+            </a:r>
+            <a:r>
+              <a:rPr lang="en-US" altLang="en-US" dirty="0">
+                <a:solidFill>
+                  <a:schemeClr val="tx1"/>
+                </a:solidFill>
+                <a:latin typeface="Arial" panose="020B0604020202020204" pitchFamily="34" charset="0"/>
+                <a:ea typeface="ＭＳ Ｐゴシック" panose="020B0600070205080204" pitchFamily="34" charset="-128"/>
+                <a:cs typeface="Arial" panose="020B0604020202020204" pitchFamily="34" charset="0"/>
+              </a:rPr>
+              <a:t>/&gt;</a:t>
             </a:r>
           </a:p>
           <a:p>
@@ -4932,7 +4998,7 @@
               <a:buNone/>
             </a:pPr>
             <a:r>
-              <a:rPr lang="en-US" altLang="en-US">
+              <a:rPr lang="en-US" altLang="en-US" dirty="0">
                 <a:solidFill>
                   <a:schemeClr val="tx1"/>
                 </a:solidFill>
@@ -4952,7 +5018,7 @@
               <a:buNone/>
             </a:pPr>
             <a:r>
-              <a:rPr lang="en-US" altLang="en-US">
+              <a:rPr lang="en-US" altLang="en-US" dirty="0">
                 <a:solidFill>
                   <a:schemeClr val="tx1"/>
                 </a:solidFill>
@@ -4960,17 +5026,28 @@
                 <a:ea typeface="ＭＳ Ｐゴシック" panose="020B0600070205080204" pitchFamily="34" charset="-128"/>
                 <a:cs typeface="Arial" panose="020B0604020202020204" pitchFamily="34" charset="0"/>
               </a:rPr>
-              <a:t>    ?city a yago:</a:t>
-            </a:r>
-            <a:r>
-              <a:rPr lang="en-US" altLang="en-US" u="sng">
+              <a:t>    ?city a </a:t>
+            </a:r>
+            <a:r>
+              <a:rPr lang="en-US" altLang="en-US" dirty="0" err="1">
+                <a:solidFill>
+                  <a:schemeClr val="tx1"/>
+                </a:solidFill>
+                <a:latin typeface="Arial" panose="020B0604020202020204" pitchFamily="34" charset="0"/>
+                <a:ea typeface="ＭＳ Ｐゴシック" panose="020B0600070205080204" pitchFamily="34" charset="-128"/>
+                <a:cs typeface="Arial" panose="020B0604020202020204" pitchFamily="34" charset="0"/>
+              </a:rPr>
+              <a:t>yago:</a:t>
+            </a:r>
+            <a:r>
+              <a:rPr lang="en-US" altLang="en-US" u="sng" dirty="0" err="1">
                 <a:latin typeface="Calibri" panose="020F0502020204030204" pitchFamily="34" charset="0"/>
                 <a:ea typeface="ＭＳ Ｐゴシック" panose="020B0600070205080204" pitchFamily="34" charset="-128"/>
                 <a:hlinkClick r:id="rId2"/>
               </a:rPr>
               <a:t>WikicatCitiesInMaryland</a:t>
             </a:r>
-            <a:endParaRPr lang="en-US" altLang="en-US">
+            <a:endParaRPr lang="en-US" altLang="en-US" dirty="0">
               <a:solidFill>
                 <a:schemeClr val="tx1"/>
               </a:solidFill>
@@ -4988,7 +5065,7 @@
               <a:buNone/>
             </a:pPr>
             <a:r>
-              <a:rPr lang="en-US" altLang="en-US">
+              <a:rPr lang="en-US" altLang="en-US" dirty="0">
                 <a:solidFill>
                   <a:schemeClr val="tx1"/>
                 </a:solidFill>
@@ -5007,7 +5084,7 @@
               <a:buFont typeface="Wingdings" pitchFamily="2" charset="2"/>
               <a:buNone/>
             </a:pPr>
-            <a:endParaRPr lang="en-US" altLang="en-US">
+            <a:endParaRPr lang="en-US" altLang="en-US" dirty="0">
               <a:solidFill>
                 <a:schemeClr val="tx1"/>
               </a:solidFill>
@@ -5024,7 +5101,7 @@
               <a:buFont typeface="Wingdings" pitchFamily="2" charset="2"/>
               <a:buNone/>
             </a:pPr>
-            <a:endParaRPr lang="en-US" altLang="en-US">
+            <a:endParaRPr lang="en-US" altLang="en-US" dirty="0">
               <a:solidFill>
                 <a:schemeClr val="tx1"/>
               </a:solidFill>
@@ -5041,7 +5118,7 @@
               <a:buFont typeface="Wingdings" pitchFamily="2" charset="2"/>
               <a:buNone/>
             </a:pPr>
-            <a:endParaRPr lang="en-US" altLang="en-US">
+            <a:endParaRPr lang="en-US" altLang="en-US" dirty="0">
               <a:solidFill>
                 <a:schemeClr val="tx1"/>
               </a:solidFill>
@@ -5055,7 +5132,7 @@
               <a:buFont typeface="Wingdings" pitchFamily="2" charset="2"/>
               <a:buNone/>
             </a:pPr>
-            <a:endParaRPr lang="en-US" altLang="en-US">
+            <a:endParaRPr lang="en-US" altLang="en-US" dirty="0">
               <a:latin typeface="Calibri" panose="020F0502020204030204" pitchFamily="34" charset="0"/>
               <a:ea typeface="ＭＳ Ｐゴシック" panose="020B0600070205080204" pitchFamily="34" charset="-128"/>
             </a:endParaRPr>
@@ -5385,7 +5462,7 @@
               <a:buNone/>
             </a:pPr>
             <a:r>
-              <a:rPr lang="en-US" altLang="en-US">
+              <a:rPr lang="en-US" altLang="en-US" dirty="0">
                 <a:solidFill>
                   <a:schemeClr val="tx1"/>
                 </a:solidFill>
@@ -5393,10 +5470,32 @@
                 <a:ea typeface="ＭＳ Ｐゴシック" panose="020B0600070205080204" pitchFamily="34" charset="-128"/>
                 <a:cs typeface="Arial" panose="020B0604020202020204" pitchFamily="34" charset="0"/>
               </a:rPr>
-              <a:t>PREFIX yago: t&lt;</a:t>
-            </a:r>
-            <a:r>
-              <a:rPr lang="en-US" altLang="en-US">
+              <a:t>PREFIX </a:t>
+            </a:r>
+            <a:r>
+              <a:rPr lang="en-US" altLang="en-US" dirty="0" err="1">
+                <a:solidFill>
+                  <a:schemeClr val="tx1"/>
+                </a:solidFill>
+                <a:latin typeface="Arial" panose="020B0604020202020204" pitchFamily="34" charset="0"/>
+                <a:ea typeface="ＭＳ Ｐゴシック" panose="020B0600070205080204" pitchFamily="34" charset="-128"/>
+                <a:cs typeface="Arial" panose="020B0604020202020204" pitchFamily="34" charset="0"/>
+              </a:rPr>
+              <a:t>yago</a:t>
+            </a:r>
+            <a:r>
+              <a:rPr lang="en-US" altLang="en-US" dirty="0">
+                <a:solidFill>
+                  <a:schemeClr val="tx1"/>
+                </a:solidFill>
+                <a:latin typeface="Arial" panose="020B0604020202020204" pitchFamily="34" charset="0"/>
+                <a:ea typeface="ＭＳ Ｐゴシック" panose="020B0600070205080204" pitchFamily="34" charset="-128"/>
+                <a:cs typeface="Arial" panose="020B0604020202020204" pitchFamily="34" charset="0"/>
+              </a:rPr>
+              <a:t>: &lt;</a:t>
+            </a:r>
+            <a:r>
+              <a:rPr lang="en-US" altLang="en-US" dirty="0">
                 <a:solidFill>
                   <a:schemeClr val="tx1"/>
                 </a:solidFill>
@@ -5408,7 +5507,7 @@
               <a:t>http://dbpedia.org/class/yago/</a:t>
             </a:r>
             <a:r>
-              <a:rPr lang="en-US" altLang="en-US">
+              <a:rPr lang="en-US" altLang="en-US" dirty="0">
                 <a:solidFill>
                   <a:schemeClr val="tx1"/>
                 </a:solidFill>
@@ -5431,7 +5530,7 @@
               <a:buNone/>
             </a:pPr>
             <a:r>
-              <a:rPr lang="en-US" altLang="en-US">
+              <a:rPr lang="en-US" altLang="en-US" dirty="0">
                 <a:solidFill>
                   <a:schemeClr val="tx1"/>
                 </a:solidFill>
@@ -5439,7 +5538,51 @@
                 <a:ea typeface="ＭＳ Ｐゴシック" panose="020B0600070205080204" pitchFamily="34" charset="-128"/>
                 <a:cs typeface="Arial" panose="020B0604020202020204" pitchFamily="34" charset="0"/>
               </a:rPr>
-              <a:t>PREFIX dbo: &lt;http://dbpedia.org/ontology/&gt;</a:t>
+              <a:t>PREFIX </a:t>
+            </a:r>
+            <a:r>
+              <a:rPr lang="en-US" altLang="en-US" dirty="0" err="1">
+                <a:solidFill>
+                  <a:schemeClr val="tx1"/>
+                </a:solidFill>
+                <a:latin typeface="Arial" panose="020B0604020202020204" pitchFamily="34" charset="0"/>
+                <a:ea typeface="ＭＳ Ｐゴシック" panose="020B0600070205080204" pitchFamily="34" charset="-128"/>
+                <a:cs typeface="Arial" panose="020B0604020202020204" pitchFamily="34" charset="0"/>
+              </a:rPr>
+              <a:t>dbo</a:t>
+            </a:r>
+            <a:r>
+              <a:rPr lang="en-US" altLang="en-US" dirty="0">
+                <a:solidFill>
+                  <a:schemeClr val="tx1"/>
+                </a:solidFill>
+                <a:latin typeface="Arial" panose="020B0604020202020204" pitchFamily="34" charset="0"/>
+                <a:ea typeface="ＭＳ Ｐゴシック" panose="020B0600070205080204" pitchFamily="34" charset="-128"/>
+                <a:cs typeface="Arial" panose="020B0604020202020204" pitchFamily="34" charset="0"/>
+              </a:rPr>
+              <a:t>: &lt;http://</a:t>
+            </a:r>
+            <a:r>
+              <a:rPr lang="en-US" altLang="en-US" dirty="0" err="1">
+                <a:solidFill>
+                  <a:schemeClr val="tx1"/>
+                </a:solidFill>
+                <a:latin typeface="Arial" panose="020B0604020202020204" pitchFamily="34" charset="0"/>
+                <a:ea typeface="ＭＳ Ｐゴシック" panose="020B0600070205080204" pitchFamily="34" charset="-128"/>
+                <a:cs typeface="Arial" panose="020B0604020202020204" pitchFamily="34" charset="0"/>
+              </a:rPr>
+              <a:t>dbpedia.org</a:t>
+            </a:r>
+            <a:r>
+              <a:rPr lang="en-US" altLang="en-US" dirty="0">
+                <a:solidFill>
+                  <a:schemeClr val="tx1"/>
+                </a:solidFill>
+                <a:latin typeface="Arial" panose="020B0604020202020204" pitchFamily="34" charset="0"/>
+                <a:ea typeface="ＭＳ Ｐゴシック" panose="020B0600070205080204" pitchFamily="34" charset="-128"/>
+                <a:cs typeface="Arial" panose="020B0604020202020204" pitchFamily="34" charset="0"/>
+              </a:rPr>
+              <a:t>/ontology/&gt;</a:t>
             </a:r>
           </a:p>
           <a:p>
@@ -5454,7 +5597,7 @@
               <a:buNone/>
             </a:pPr>
             <a:r>
-              <a:rPr lang="en-US" altLang="en-US">
+              <a:rPr lang="en-US" altLang="en-US" dirty="0">
                 <a:solidFill>
                   <a:schemeClr val="tx1"/>
                 </a:solidFill>
@@ -5474,7 +5617,7 @@
               <a:buNone/>
             </a:pPr>
             <a:r>
-              <a:rPr lang="en-US" altLang="en-US">
+              <a:rPr lang="en-US" altLang="en-US" dirty="0">
                 <a:solidFill>
                   <a:schemeClr val="tx1"/>
                 </a:solidFill>
@@ -5482,10 +5625,21 @@
                 <a:ea typeface="ＭＳ Ｐゴシック" panose="020B0600070205080204" pitchFamily="34" charset="-128"/>
                 <a:cs typeface="Arial" panose="020B0604020202020204" pitchFamily="34" charset="0"/>
               </a:rPr>
-              <a:t>    ?city a yago:</a:t>
-            </a:r>
-            <a:r>
-              <a:rPr lang="en-US" altLang="en-US" u="sng">
+              <a:t>    ?city a </a:t>
+            </a:r>
+            <a:r>
+              <a:rPr lang="en-US" altLang="en-US" dirty="0" err="1">
+                <a:solidFill>
+                  <a:schemeClr val="tx1"/>
+                </a:solidFill>
+                <a:latin typeface="Arial" panose="020B0604020202020204" pitchFamily="34" charset="0"/>
+                <a:ea typeface="ＭＳ Ｐゴシック" panose="020B0600070205080204" pitchFamily="34" charset="-128"/>
+                <a:cs typeface="Arial" panose="020B0604020202020204" pitchFamily="34" charset="0"/>
+              </a:rPr>
+              <a:t>yago:</a:t>
+            </a:r>
+            <a:r>
+              <a:rPr lang="en-US" altLang="en-US" u="sng" dirty="0" err="1">
                 <a:latin typeface="Calibri" panose="020F0502020204030204" pitchFamily="34" charset="0"/>
                 <a:ea typeface="ＭＳ Ｐゴシック" panose="020B0600070205080204" pitchFamily="34" charset="-128"/>
                 <a:hlinkClick r:id="rId3"/>
@@ -5493,7 +5647,7 @@
               <a:t>WikicatCitiesInMaryland</a:t>
             </a:r>
             <a:r>
-              <a:rPr lang="en-US" altLang="en-US">
+              <a:rPr lang="en-US" altLang="en-US" dirty="0">
                 <a:solidFill>
                   <a:schemeClr val="tx1"/>
                 </a:solidFill>
@@ -5513,7 +5667,7 @@
               <a:buNone/>
             </a:pPr>
             <a:r>
-              <a:rPr lang="en-US" altLang="en-US" b="1">
+              <a:rPr lang="en-US" altLang="en-US" b="1" dirty="0">
                 <a:solidFill>
                   <a:srgbClr val="525252"/>
                 </a:solidFill>
@@ -5521,10 +5675,10 @@
                 <a:ea typeface="ＭＳ Ｐゴシック" panose="020B0600070205080204" pitchFamily="34" charset="-128"/>
                 <a:cs typeface="Arial" panose="020B0604020202020204" pitchFamily="34" charset="0"/>
               </a:rPr>
-              <a:t>            dbo:populationTotal ?population </a:t>
-            </a:r>
-            <a:r>
-              <a:rPr lang="en-US" altLang="en-US">
+              <a:t>            </a:t>
+            </a:r>
+            <a:r>
+              <a:rPr lang="en-US" altLang="en-US" b="1" dirty="0" err="1">
                 <a:solidFill>
                   <a:srgbClr val="525252"/>
                 </a:solidFill>
@@ -5532,9 +5686,31 @@
                 <a:ea typeface="ＭＳ Ｐゴシック" panose="020B0600070205080204" pitchFamily="34" charset="-128"/>
                 <a:cs typeface="Arial" panose="020B0604020202020204" pitchFamily="34" charset="0"/>
               </a:rPr>
+              <a:t>dbo:populationTotal</a:t>
+            </a:r>
+            <a:r>
+              <a:rPr lang="en-US" altLang="en-US" b="1" dirty="0">
+                <a:solidFill>
+                  <a:srgbClr val="525252"/>
+                </a:solidFill>
+                <a:latin typeface="Arial" panose="020B0604020202020204" pitchFamily="34" charset="0"/>
+                <a:ea typeface="ＭＳ Ｐゴシック" panose="020B0600070205080204" pitchFamily="34" charset="-128"/>
+                <a:cs typeface="Arial" panose="020B0604020202020204" pitchFamily="34" charset="0"/>
+              </a:rPr>
+              <a:t> ?population </a:t>
+            </a:r>
+            <a:r>
+              <a:rPr lang="en-US" altLang="en-US" dirty="0">
+                <a:solidFill>
+                  <a:srgbClr val="525252"/>
+                </a:solidFill>
+                <a:latin typeface="Arial" panose="020B0604020202020204" pitchFamily="34" charset="0"/>
+                <a:ea typeface="ＭＳ Ｐゴシック" panose="020B0600070205080204" pitchFamily="34" charset="-128"/>
+                <a:cs typeface="Arial" panose="020B0604020202020204" pitchFamily="34" charset="0"/>
+              </a:rPr>
               <a:t>.</a:t>
             </a:r>
-            <a:endParaRPr lang="en-US" altLang="en-US">
+            <a:endParaRPr lang="en-US" altLang="en-US" dirty="0">
               <a:solidFill>
                 <a:schemeClr val="tx1"/>
               </a:solidFill>
@@ -5552,7 +5728,7 @@
               <a:buNone/>
             </a:pPr>
             <a:r>
-              <a:rPr lang="en-US" altLang="en-US">
+              <a:rPr lang="en-US" altLang="en-US" dirty="0">
                 <a:solidFill>
                   <a:schemeClr val="tx1"/>
                 </a:solidFill>
@@ -5568,7 +5744,7 @@
               <a:buFont typeface="Wingdings" pitchFamily="2" charset="2"/>
               <a:buNone/>
             </a:pPr>
-            <a:endParaRPr lang="en-US" altLang="en-US">
+            <a:endParaRPr lang="en-US" altLang="en-US" dirty="0">
               <a:latin typeface="Calibri" panose="020F0502020204030204" pitchFamily="34" charset="0"/>
               <a:ea typeface="ＭＳ Ｐゴシック" panose="020B0600070205080204" pitchFamily="34" charset="-128"/>
             </a:endParaRPr>
@@ -5663,7 +5839,7 @@
               <a:buNone/>
             </a:pPr>
             <a:r>
-              <a:rPr lang="en-US" altLang="en-US">
+              <a:rPr lang="en-US" altLang="en-US" dirty="0">
                 <a:solidFill>
                   <a:schemeClr val="tx1"/>
                 </a:solidFill>
@@ -5674,7 +5850,7 @@
               <a:t># this returns names in multiple languages </a:t>
             </a:r>
             <a:r>
-              <a:rPr lang="en-US" altLang="en-US">
+              <a:rPr lang="en-US" altLang="en-US" dirty="0">
                 <a:solidFill>
                   <a:schemeClr val="tx1"/>
                 </a:solidFill>
@@ -5685,7 +5861,7 @@
               </a:rPr>
               <a:t></a:t>
             </a:r>
-            <a:endParaRPr lang="en-US" altLang="en-US">
+            <a:endParaRPr lang="en-US" altLang="en-US" dirty="0">
               <a:solidFill>
                 <a:schemeClr val="tx1"/>
               </a:solidFill>
@@ -5706,7 +5882,7 @@
               <a:buNone/>
             </a:pPr>
             <a:r>
-              <a:rPr lang="en-US" altLang="en-US" sz="2400">
+              <a:rPr lang="en-US" altLang="en-US" sz="2400" dirty="0">
                 <a:solidFill>
                   <a:schemeClr val="tx1"/>
                 </a:solidFill>
@@ -5714,10 +5890,32 @@
                 <a:ea typeface="ＭＳ Ｐゴシック" panose="020B0600070205080204" pitchFamily="34" charset="-128"/>
                 <a:cs typeface="Arial" panose="020B0604020202020204" pitchFamily="34" charset="0"/>
               </a:rPr>
-              <a:t>PREFIX yago:  </a:t>
-            </a:r>
-            <a:r>
-              <a:rPr lang="en-US" altLang="en-US" sz="2400">
+              <a:t>PREFIX </a:t>
+            </a:r>
+            <a:r>
+              <a:rPr lang="en-US" altLang="en-US" sz="2400" dirty="0" err="1">
+                <a:solidFill>
+                  <a:schemeClr val="tx1"/>
+                </a:solidFill>
+                <a:latin typeface="Arial" panose="020B0604020202020204" pitchFamily="34" charset="0"/>
+                <a:ea typeface="ＭＳ Ｐゴシック" panose="020B0600070205080204" pitchFamily="34" charset="-128"/>
+                <a:cs typeface="Arial" panose="020B0604020202020204" pitchFamily="34" charset="0"/>
+              </a:rPr>
+              <a:t>yago</a:t>
+            </a:r>
+            <a:r>
+              <a:rPr lang="en-US" altLang="en-US" sz="2400" dirty="0">
+                <a:solidFill>
+                  <a:schemeClr val="tx1"/>
+                </a:solidFill>
+                <a:latin typeface="Arial" panose="020B0604020202020204" pitchFamily="34" charset="0"/>
+                <a:ea typeface="ＭＳ Ｐゴシック" panose="020B0600070205080204" pitchFamily="34" charset="-128"/>
+                <a:cs typeface="Arial" panose="020B0604020202020204" pitchFamily="34" charset="0"/>
+              </a:rPr>
+              <a:t>:  &lt;</a:t>
+            </a:r>
+            <a:r>
+              <a:rPr lang="en-US" altLang="en-US" sz="2400" dirty="0">
                 <a:solidFill>
                   <a:schemeClr val="tx1"/>
                 </a:solidFill>
@@ -5728,14 +5926,17 @@
               </a:rPr>
               <a:t>http://dbpedia.org/class/yago/</a:t>
             </a:r>
-            <a:endParaRPr lang="en-US" altLang="en-US" sz="2400">
-              <a:solidFill>
-                <a:schemeClr val="tx1"/>
-              </a:solidFill>
-              <a:latin typeface="Arial" panose="020B0604020202020204" pitchFamily="34" charset="0"/>
-              <a:ea typeface="ＭＳ Ｐゴシック" panose="020B0600070205080204" pitchFamily="34" charset="-128"/>
-              <a:cs typeface="Arial" panose="020B0604020202020204" pitchFamily="34" charset="0"/>
-            </a:endParaRPr>
+            <a:r>
+              <a:rPr lang="en-US" altLang="en-US" sz="2400" dirty="0">
+                <a:solidFill>
+                  <a:schemeClr val="tx1"/>
+                </a:solidFill>
+                <a:latin typeface="Arial" panose="020B0604020202020204" pitchFamily="34" charset="0"/>
+                <a:ea typeface="ＭＳ Ｐゴシック" panose="020B0600070205080204" pitchFamily="34" charset="-128"/>
+                <a:cs typeface="Arial" panose="020B0604020202020204" pitchFamily="34" charset="0"/>
+              </a:rPr>
+              <a:t>&gt;</a:t>
+            </a:r>
           </a:p>
           <a:p>
             <a:pPr marL="0" indent="0">
@@ -5749,7 +5950,7 @@
               <a:buNone/>
             </a:pPr>
             <a:r>
-              <a:rPr lang="en-US" altLang="en-US" sz="2400">
+              <a:rPr lang="en-US" altLang="en-US" sz="2400" dirty="0">
                 <a:solidFill>
                   <a:schemeClr val="tx1"/>
                 </a:solidFill>
@@ -5757,10 +5958,32 @@
                 <a:ea typeface="ＭＳ Ｐゴシック" panose="020B0600070205080204" pitchFamily="34" charset="-128"/>
                 <a:cs typeface="Arial" panose="020B0604020202020204" pitchFamily="34" charset="0"/>
               </a:rPr>
-              <a:t>PREFIX dbo: </a:t>
-            </a:r>
-            <a:r>
-              <a:rPr lang="en-US" altLang="en-US" sz="2400">
+              <a:t>PREFIX </a:t>
+            </a:r>
+            <a:r>
+              <a:rPr lang="en-US" altLang="en-US" sz="2400" dirty="0" err="1">
+                <a:solidFill>
+                  <a:schemeClr val="tx1"/>
+                </a:solidFill>
+                <a:latin typeface="Arial" panose="020B0604020202020204" pitchFamily="34" charset="0"/>
+                <a:ea typeface="ＭＳ Ｐゴシック" panose="020B0600070205080204" pitchFamily="34" charset="-128"/>
+                <a:cs typeface="Arial" panose="020B0604020202020204" pitchFamily="34" charset="0"/>
+              </a:rPr>
+              <a:t>dbo</a:t>
+            </a:r>
+            <a:r>
+              <a:rPr lang="en-US" altLang="en-US" sz="2400" dirty="0">
+                <a:solidFill>
+                  <a:schemeClr val="tx1"/>
+                </a:solidFill>
+                <a:latin typeface="Arial" panose="020B0604020202020204" pitchFamily="34" charset="0"/>
+                <a:ea typeface="ＭＳ Ｐゴシック" panose="020B0600070205080204" pitchFamily="34" charset="-128"/>
+                <a:cs typeface="Arial" panose="020B0604020202020204" pitchFamily="34" charset="0"/>
+              </a:rPr>
+              <a:t>: &lt;</a:t>
+            </a:r>
+            <a:r>
+              <a:rPr lang="en-US" altLang="en-US" sz="2400" dirty="0">
                 <a:solidFill>
                   <a:schemeClr val="tx1"/>
                 </a:solidFill>
@@ -5771,14 +5994,17 @@
               </a:rPr>
               <a:t>http://dbpedia.org/ontology/</a:t>
             </a:r>
-            <a:endParaRPr lang="en-US" altLang="en-US" sz="2400">
-              <a:solidFill>
-                <a:schemeClr val="tx1"/>
-              </a:solidFill>
-              <a:latin typeface="Arial" panose="020B0604020202020204" pitchFamily="34" charset="0"/>
-              <a:ea typeface="ＭＳ Ｐゴシック" panose="020B0600070205080204" pitchFamily="34" charset="-128"/>
-              <a:cs typeface="Arial" panose="020B0604020202020204" pitchFamily="34" charset="0"/>
-            </a:endParaRPr>
+            <a:r>
+              <a:rPr lang="en-US" altLang="en-US" sz="2400" dirty="0">
+                <a:solidFill>
+                  <a:schemeClr val="tx1"/>
+                </a:solidFill>
+                <a:latin typeface="Arial" panose="020B0604020202020204" pitchFamily="34" charset="0"/>
+                <a:ea typeface="ＭＳ Ｐゴシック" panose="020B0600070205080204" pitchFamily="34" charset="-128"/>
+                <a:cs typeface="Arial" panose="020B0604020202020204" pitchFamily="34" charset="0"/>
+              </a:rPr>
+              <a:t>&gt;</a:t>
+            </a:r>
           </a:p>
           <a:p>
             <a:pPr marL="0" indent="0">
@@ -5792,7 +6018,7 @@
               <a:buNone/>
             </a:pPr>
             <a:r>
-              <a:rPr lang="en-US" altLang="en-US" sz="2400">
+              <a:rPr lang="en-US" altLang="en-US" sz="2400" dirty="0">
                 <a:solidFill>
                   <a:schemeClr val="tx1"/>
                 </a:solidFill>
@@ -5800,9 +6026,53 @@
                 <a:ea typeface="ＭＳ Ｐゴシック" panose="020B0600070205080204" pitchFamily="34" charset="-128"/>
                 <a:cs typeface="Arial" panose="020B0604020202020204" pitchFamily="34" charset="0"/>
               </a:rPr>
-              <a:t>PREFIX rdfs: &lt;http://www.w3.org/2000/01/rdf-schema#&gt;</a:t>
-            </a:r>
-            <a:endParaRPr lang="en-US" altLang="en-US">
+              <a:t>PREFIX </a:t>
+            </a:r>
+            <a:r>
+              <a:rPr lang="en-US" altLang="en-US" sz="2400" dirty="0" err="1">
+                <a:solidFill>
+                  <a:schemeClr val="tx1"/>
+                </a:solidFill>
+                <a:latin typeface="Arial" panose="020B0604020202020204" pitchFamily="34" charset="0"/>
+                <a:ea typeface="ＭＳ Ｐゴシック" panose="020B0600070205080204" pitchFamily="34" charset="-128"/>
+                <a:cs typeface="Arial" panose="020B0604020202020204" pitchFamily="34" charset="0"/>
+              </a:rPr>
+              <a:t>rdfs</a:t>
+            </a:r>
+            <a:r>
+              <a:rPr lang="en-US" altLang="en-US" sz="2400" dirty="0">
+                <a:solidFill>
+                  <a:schemeClr val="tx1"/>
+                </a:solidFill>
+                <a:latin typeface="Arial" panose="020B0604020202020204" pitchFamily="34" charset="0"/>
+                <a:ea typeface="ＭＳ Ｐゴシック" panose="020B0600070205080204" pitchFamily="34" charset="-128"/>
+                <a:cs typeface="Arial" panose="020B0604020202020204" pitchFamily="34" charset="0"/>
+              </a:rPr>
+              <a:t>: &lt;http://www.w3.org/2000/01/</a:t>
+            </a:r>
+            <a:r>
+              <a:rPr lang="en-US" altLang="en-US" sz="2400" dirty="0" err="1">
+                <a:solidFill>
+                  <a:schemeClr val="tx1"/>
+                </a:solidFill>
+                <a:latin typeface="Arial" panose="020B0604020202020204" pitchFamily="34" charset="0"/>
+                <a:ea typeface="ＭＳ Ｐゴシック" panose="020B0600070205080204" pitchFamily="34" charset="-128"/>
+                <a:cs typeface="Arial" panose="020B0604020202020204" pitchFamily="34" charset="0"/>
+              </a:rPr>
+              <a:t>rdf</a:t>
+            </a:r>
+            <a:r>
+              <a:rPr lang="en-US" altLang="en-US" sz="2400" dirty="0">
+                <a:solidFill>
+                  <a:schemeClr val="tx1"/>
+                </a:solidFill>
+                <a:latin typeface="Arial" panose="020B0604020202020204" pitchFamily="34" charset="0"/>
+                <a:ea typeface="ＭＳ Ｐゴシック" panose="020B0600070205080204" pitchFamily="34" charset="-128"/>
+                <a:cs typeface="Arial" panose="020B0604020202020204" pitchFamily="34" charset="0"/>
+              </a:rPr>
+              <a:t>-schema#&gt;</a:t>
+            </a:r>
+            <a:endParaRPr lang="en-US" altLang="en-US" dirty="0">
               <a:solidFill>
                 <a:schemeClr val="tx1"/>
               </a:solidFill>
@@ -5823,7 +6093,7 @@
               <a:buNone/>
             </a:pPr>
             <a:r>
-              <a:rPr lang="en-US" altLang="en-US">
+              <a:rPr lang="en-US" altLang="en-US" dirty="0">
                 <a:solidFill>
                   <a:schemeClr val="tx1"/>
                 </a:solidFill>
@@ -5843,7 +6113,7 @@
               <a:buNone/>
             </a:pPr>
             <a:r>
-              <a:rPr lang="en-US" altLang="en-US">
+              <a:rPr lang="en-US" altLang="en-US" dirty="0">
                 <a:solidFill>
                   <a:schemeClr val="tx1"/>
                 </a:solidFill>
@@ -5851,10 +6121,21 @@
                 <a:ea typeface="ＭＳ Ｐゴシック" panose="020B0600070205080204" pitchFamily="34" charset="-128"/>
                 <a:cs typeface="Arial" panose="020B0604020202020204" pitchFamily="34" charset="0"/>
               </a:rPr>
-              <a:t>    ?city a yago:</a:t>
-            </a:r>
-            <a:r>
-              <a:rPr lang="en-US" altLang="en-US" u="sng">
+              <a:t>    ?city a </a:t>
+            </a:r>
+            <a:r>
+              <a:rPr lang="en-US" altLang="en-US" dirty="0" err="1">
+                <a:solidFill>
+                  <a:schemeClr val="tx1"/>
+                </a:solidFill>
+                <a:latin typeface="Arial" panose="020B0604020202020204" pitchFamily="34" charset="0"/>
+                <a:ea typeface="ＭＳ Ｐゴシック" panose="020B0600070205080204" pitchFamily="34" charset="-128"/>
+                <a:cs typeface="Arial" panose="020B0604020202020204" pitchFamily="34" charset="0"/>
+              </a:rPr>
+              <a:t>yago:</a:t>
+            </a:r>
+            <a:r>
+              <a:rPr lang="en-US" altLang="en-US" u="sng" dirty="0" err="1">
                 <a:latin typeface="Calibri" panose="020F0502020204030204" pitchFamily="34" charset="0"/>
                 <a:ea typeface="ＭＳ Ｐゴシック" panose="020B0600070205080204" pitchFamily="34" charset="-128"/>
                 <a:hlinkClick r:id="rId4"/>
@@ -5862,7 +6143,7 @@
               <a:t>WikicatCitiesInMaryland</a:t>
             </a:r>
             <a:r>
-              <a:rPr lang="en-US" altLang="en-US">
+              <a:rPr lang="en-US" altLang="en-US" dirty="0">
                 <a:solidFill>
                   <a:schemeClr val="tx1"/>
                 </a:solidFill>
@@ -5882,7 +6163,7 @@
               <a:buNone/>
             </a:pPr>
             <a:r>
-              <a:rPr lang="en-US" altLang="en-US" b="1">
+              <a:rPr lang="en-US" altLang="en-US" b="1" dirty="0">
                 <a:solidFill>
                   <a:srgbClr val="525252"/>
                 </a:solidFill>
@@ -5893,7 +6174,7 @@
               <a:t>            </a:t>
             </a:r>
             <a:r>
-              <a:rPr lang="en-US" altLang="en-US">
+              <a:rPr lang="en-US" altLang="en-US" dirty="0" err="1">
                 <a:solidFill>
                   <a:srgbClr val="525252"/>
                 </a:solidFill>
@@ -5901,7 +6182,18 @@
                 <a:ea typeface="ＭＳ Ｐゴシック" panose="020B0600070205080204" pitchFamily="34" charset="-128"/>
                 <a:cs typeface="Arial" panose="020B0604020202020204" pitchFamily="34" charset="0"/>
               </a:rPr>
-              <a:t>dbo:populationTotal ?population ;</a:t>
+              <a:t>dbo:populationTotal</a:t>
+            </a:r>
+            <a:r>
+              <a:rPr lang="en-US" altLang="en-US" dirty="0">
+                <a:solidFill>
+                  <a:srgbClr val="525252"/>
+                </a:solidFill>
+                <a:latin typeface="Arial" panose="020B0604020202020204" pitchFamily="34" charset="0"/>
+                <a:ea typeface="ＭＳ Ｐゴシック" panose="020B0600070205080204" pitchFamily="34" charset="-128"/>
+                <a:cs typeface="Arial" panose="020B0604020202020204" pitchFamily="34" charset="0"/>
+              </a:rPr>
+              <a:t> ?population ;</a:t>
             </a:r>
           </a:p>
           <a:p>
@@ -5913,7 +6205,7 @@
               <a:buNone/>
             </a:pPr>
             <a:r>
-              <a:rPr lang="en-US" altLang="en-US" b="1">
+              <a:rPr lang="en-US" altLang="en-US" b="1" dirty="0">
                 <a:solidFill>
                   <a:srgbClr val="525252"/>
                 </a:solidFill>
@@ -5921,9 +6213,31 @@
                 <a:ea typeface="ＭＳ Ｐゴシック" panose="020B0600070205080204" pitchFamily="34" charset="-128"/>
                 <a:cs typeface="Arial" panose="020B0604020202020204" pitchFamily="34" charset="0"/>
               </a:rPr>
-              <a:t>             rdfs:label ?name .</a:t>
-            </a:r>
-            <a:endParaRPr lang="en-US" altLang="en-US" b="1">
+              <a:t>             </a:t>
+            </a:r>
+            <a:r>
+              <a:rPr lang="en-US" altLang="en-US" b="1" dirty="0" err="1">
+                <a:solidFill>
+                  <a:srgbClr val="525252"/>
+                </a:solidFill>
+                <a:latin typeface="Arial" panose="020B0604020202020204" pitchFamily="34" charset="0"/>
+                <a:ea typeface="ＭＳ Ｐゴシック" panose="020B0600070205080204" pitchFamily="34" charset="-128"/>
+                <a:cs typeface="Arial" panose="020B0604020202020204" pitchFamily="34" charset="0"/>
+              </a:rPr>
+              <a:t>rdfs:label</a:t>
+            </a:r>
+            <a:r>
+              <a:rPr lang="en-US" altLang="en-US" b="1" dirty="0">
+                <a:solidFill>
+                  <a:srgbClr val="525252"/>
+                </a:solidFill>
+                <a:latin typeface="Arial" panose="020B0604020202020204" pitchFamily="34" charset="0"/>
+                <a:ea typeface="ＭＳ Ｐゴシック" panose="020B0600070205080204" pitchFamily="34" charset="-128"/>
+                <a:cs typeface="Arial" panose="020B0604020202020204" pitchFamily="34" charset="0"/>
+              </a:rPr>
+              <a:t> ?name .</a:t>
+            </a:r>
+            <a:endParaRPr lang="en-US" altLang="en-US" b="1" dirty="0">
               <a:solidFill>
                 <a:schemeClr val="tx1"/>
               </a:solidFill>
@@ -5941,7 +6255,7 @@
               <a:buNone/>
             </a:pPr>
             <a:r>
-              <a:rPr lang="en-US" altLang="en-US">
+              <a:rPr lang="en-US" altLang="en-US" dirty="0">
                 <a:solidFill>
                   <a:schemeClr val="tx1"/>
                 </a:solidFill>
@@ -5957,7 +6271,7 @@
               <a:buFont typeface="Wingdings" pitchFamily="2" charset="2"/>
               <a:buNone/>
             </a:pPr>
-            <a:endParaRPr lang="en-US" altLang="en-US">
+            <a:endParaRPr lang="en-US" altLang="en-US" dirty="0">
               <a:latin typeface="Calibri" panose="020F0502020204030204" pitchFamily="34" charset="0"/>
               <a:ea typeface="ＭＳ Ｐゴシック" panose="020B0600070205080204" pitchFamily="34" charset="-128"/>
             </a:endParaRPr>
@@ -6057,7 +6371,7 @@
               <a:buNone/>
             </a:pPr>
             <a:r>
-              <a:rPr lang="en-US" altLang="en-US" sz="2200" i="1">
+              <a:rPr lang="en-US" altLang="en-US" sz="2200" i="1" dirty="0">
                 <a:solidFill>
                   <a:schemeClr val="tx1"/>
                 </a:solidFill>
@@ -6080,7 +6394,7 @@
               <a:buNone/>
             </a:pPr>
             <a:r>
-              <a:rPr lang="en-US" altLang="en-US" sz="2200" i="1">
+              <a:rPr lang="en-US" altLang="en-US" sz="2200" i="1" dirty="0">
                 <a:solidFill>
                   <a:schemeClr val="tx1"/>
                 </a:solidFill>
@@ -6103,7 +6417,7 @@
               <a:buNone/>
             </a:pPr>
             <a:r>
-              <a:rPr lang="en-US" altLang="en-US" sz="2200" i="1">
+              <a:rPr lang="en-US" altLang="en-US" sz="2200" i="1" dirty="0">
                 <a:solidFill>
                   <a:schemeClr val="tx1"/>
                 </a:solidFill>
@@ -6113,7 +6427,7 @@
               </a:rPr>
               <a:t># STR(x) returns a string’s value, i.e. w/o language tag</a:t>
             </a:r>
-            <a:endParaRPr lang="en-US" altLang="en-US" sz="2200">
+            <a:endParaRPr lang="en-US" altLang="en-US" sz="2200" dirty="0">
               <a:solidFill>
                 <a:schemeClr val="tx1"/>
               </a:solidFill>
@@ -6134,7 +6448,7 @@
               <a:buNone/>
             </a:pPr>
             <a:r>
-              <a:rPr lang="en-US" altLang="en-US" sz="2400">
+              <a:rPr lang="en-US" altLang="en-US" sz="2400" dirty="0">
                 <a:solidFill>
                   <a:schemeClr val="tx1"/>
                 </a:solidFill>
@@ -6142,10 +6456,32 @@
                 <a:ea typeface="ＭＳ Ｐゴシック" panose="020B0600070205080204" pitchFamily="34" charset="-128"/>
                 <a:cs typeface="Arial" panose="020B0604020202020204" pitchFamily="34" charset="0"/>
               </a:rPr>
-              <a:t>PREFIX yago:  &lt;</a:t>
-            </a:r>
-            <a:r>
-              <a:rPr lang="en-US" altLang="en-US" sz="2400">
+              <a:t>PREFIX </a:t>
+            </a:r>
+            <a:r>
+              <a:rPr lang="en-US" altLang="en-US" sz="2400" dirty="0" err="1">
+                <a:solidFill>
+                  <a:schemeClr val="tx1"/>
+                </a:solidFill>
+                <a:latin typeface="Arial" panose="020B0604020202020204" pitchFamily="34" charset="0"/>
+                <a:ea typeface="ＭＳ Ｐゴシック" panose="020B0600070205080204" pitchFamily="34" charset="-128"/>
+                <a:cs typeface="Arial" panose="020B0604020202020204" pitchFamily="34" charset="0"/>
+              </a:rPr>
+              <a:t>yago</a:t>
+            </a:r>
+            <a:r>
+              <a:rPr lang="en-US" altLang="en-US" sz="2400" dirty="0">
+                <a:solidFill>
+                  <a:schemeClr val="tx1"/>
+                </a:solidFill>
+                <a:latin typeface="Arial" panose="020B0604020202020204" pitchFamily="34" charset="0"/>
+                <a:ea typeface="ＭＳ Ｐゴシック" panose="020B0600070205080204" pitchFamily="34" charset="-128"/>
+                <a:cs typeface="Arial" panose="020B0604020202020204" pitchFamily="34" charset="0"/>
+              </a:rPr>
+              <a:t>:  &lt;</a:t>
+            </a:r>
+            <a:r>
+              <a:rPr lang="en-US" altLang="en-US" sz="2400" dirty="0">
                 <a:solidFill>
                   <a:schemeClr val="tx1"/>
                 </a:solidFill>
@@ -6157,7 +6493,7 @@
               <a:t>http://dbpedia.org/class/yago/</a:t>
             </a:r>
             <a:r>
-              <a:rPr lang="en-US" altLang="en-US" sz="2400">
+              <a:rPr lang="en-US" altLang="en-US" sz="2400" dirty="0">
                 <a:solidFill>
                   <a:schemeClr val="tx1"/>
                 </a:solidFill>
@@ -6180,7 +6516,7 @@
               <a:buNone/>
             </a:pPr>
             <a:r>
-              <a:rPr lang="en-US" altLang="en-US" sz="2400">
+              <a:rPr lang="en-US" altLang="en-US" sz="2400" dirty="0">
                 <a:solidFill>
                   <a:schemeClr val="tx1"/>
                 </a:solidFill>
@@ -6188,10 +6524,32 @@
                 <a:ea typeface="ＭＳ Ｐゴシック" panose="020B0600070205080204" pitchFamily="34" charset="-128"/>
                 <a:cs typeface="Arial" panose="020B0604020202020204" pitchFamily="34" charset="0"/>
               </a:rPr>
-              <a:t>PREFIX dbo: &lt;</a:t>
-            </a:r>
-            <a:r>
-              <a:rPr lang="en-US" altLang="en-US" sz="2400">
+              <a:t>PREFIX </a:t>
+            </a:r>
+            <a:r>
+              <a:rPr lang="en-US" altLang="en-US" sz="2400" dirty="0" err="1">
+                <a:solidFill>
+                  <a:schemeClr val="tx1"/>
+                </a:solidFill>
+                <a:latin typeface="Arial" panose="020B0604020202020204" pitchFamily="34" charset="0"/>
+                <a:ea typeface="ＭＳ Ｐゴシック" panose="020B0600070205080204" pitchFamily="34" charset="-128"/>
+                <a:cs typeface="Arial" panose="020B0604020202020204" pitchFamily="34" charset="0"/>
+              </a:rPr>
+              <a:t>dbo</a:t>
+            </a:r>
+            <a:r>
+              <a:rPr lang="en-US" altLang="en-US" sz="2400" dirty="0">
+                <a:solidFill>
+                  <a:schemeClr val="tx1"/>
+                </a:solidFill>
+                <a:latin typeface="Arial" panose="020B0604020202020204" pitchFamily="34" charset="0"/>
+                <a:ea typeface="ＭＳ Ｐゴシック" panose="020B0600070205080204" pitchFamily="34" charset="-128"/>
+                <a:cs typeface="Arial" panose="020B0604020202020204" pitchFamily="34" charset="0"/>
+              </a:rPr>
+              <a:t>: &lt;</a:t>
+            </a:r>
+            <a:r>
+              <a:rPr lang="en-US" altLang="en-US" sz="2400" dirty="0">
                 <a:solidFill>
                   <a:schemeClr val="tx1"/>
                 </a:solidFill>
@@ -6203,7 +6561,7 @@
               <a:t>http://dbpedia.org/ontology/</a:t>
             </a:r>
             <a:r>
-              <a:rPr lang="en-US" altLang="en-US" sz="2400">
+              <a:rPr lang="en-US" altLang="en-US" sz="2400" dirty="0">
                 <a:solidFill>
                   <a:schemeClr val="tx1"/>
                 </a:solidFill>
@@ -6226,7 +6584,7 @@
               <a:buNone/>
             </a:pPr>
             <a:r>
-              <a:rPr lang="en-US" altLang="en-US" sz="2400">
+              <a:rPr lang="en-US" altLang="en-US" sz="2400" dirty="0">
                 <a:solidFill>
                   <a:schemeClr val="tx1"/>
                 </a:solidFill>
@@ -6234,7 +6592,51 @@
                 <a:ea typeface="ＭＳ Ｐゴシック" panose="020B0600070205080204" pitchFamily="34" charset="-128"/>
                 <a:cs typeface="Arial" panose="020B0604020202020204" pitchFamily="34" charset="0"/>
               </a:rPr>
-              <a:t>PREFIX rdfs: &lt;http://www.w3.org/2000/01/rdf-schema#&gt;</a:t>
+              <a:t>PREFIX </a:t>
+            </a:r>
+            <a:r>
+              <a:rPr lang="en-US" altLang="en-US" sz="2400" dirty="0" err="1">
+                <a:solidFill>
+                  <a:schemeClr val="tx1"/>
+                </a:solidFill>
+                <a:latin typeface="Arial" panose="020B0604020202020204" pitchFamily="34" charset="0"/>
+                <a:ea typeface="ＭＳ Ｐゴシック" panose="020B0600070205080204" pitchFamily="34" charset="-128"/>
+                <a:cs typeface="Arial" panose="020B0604020202020204" pitchFamily="34" charset="0"/>
+              </a:rPr>
+              <a:t>rdfs</a:t>
+            </a:r>
+            <a:r>
+              <a:rPr lang="en-US" altLang="en-US" sz="2400" dirty="0">
+                <a:solidFill>
+                  <a:schemeClr val="tx1"/>
+                </a:solidFill>
+                <a:latin typeface="Arial" panose="020B0604020202020204" pitchFamily="34" charset="0"/>
+                <a:ea typeface="ＭＳ Ｐゴシック" panose="020B0600070205080204" pitchFamily="34" charset="-128"/>
+                <a:cs typeface="Arial" panose="020B0604020202020204" pitchFamily="34" charset="0"/>
+              </a:rPr>
+              <a:t>: &lt;http://www.w3.org/2000/01/</a:t>
+            </a:r>
+            <a:r>
+              <a:rPr lang="en-US" altLang="en-US" sz="2400" dirty="0" err="1">
+                <a:solidFill>
+                  <a:schemeClr val="tx1"/>
+                </a:solidFill>
+                <a:latin typeface="Arial" panose="020B0604020202020204" pitchFamily="34" charset="0"/>
+                <a:ea typeface="ＭＳ Ｐゴシック" panose="020B0600070205080204" pitchFamily="34" charset="-128"/>
+                <a:cs typeface="Arial" panose="020B0604020202020204" pitchFamily="34" charset="0"/>
+              </a:rPr>
+              <a:t>rdf</a:t>
+            </a:r>
+            <a:r>
+              <a:rPr lang="en-US" altLang="en-US" sz="2400" dirty="0">
+                <a:solidFill>
+                  <a:schemeClr val="tx1"/>
+                </a:solidFill>
+                <a:latin typeface="Arial" panose="020B0604020202020204" pitchFamily="34" charset="0"/>
+                <a:ea typeface="ＭＳ Ｐゴシック" panose="020B0600070205080204" pitchFamily="34" charset="-128"/>
+                <a:cs typeface="Arial" panose="020B0604020202020204" pitchFamily="34" charset="0"/>
+              </a:rPr>
+              <a:t>-schema#&gt;</a:t>
             </a:r>
           </a:p>
           <a:p>
@@ -6249,7 +6651,7 @@
               <a:buNone/>
             </a:pPr>
             <a:r>
-              <a:rPr lang="en-US" altLang="en-US" sz="2600">
+              <a:rPr lang="en-US" altLang="en-US" sz="2600" dirty="0">
                 <a:solidFill>
                   <a:schemeClr val="tx1"/>
                 </a:solidFill>
@@ -6260,7 +6662,7 @@
               <a:t>select </a:t>
             </a:r>
             <a:r>
-              <a:rPr lang="en-US" altLang="en-US" sz="2600" b="1">
+              <a:rPr lang="en-US" altLang="en-US" sz="2600" b="1" dirty="0">
                 <a:solidFill>
                   <a:schemeClr val="tx1"/>
                 </a:solidFill>
@@ -6271,7 +6673,7 @@
               <a:t>(str(?name) as ?name) </a:t>
             </a:r>
             <a:r>
-              <a:rPr lang="en-US" altLang="en-US" sz="2600">
+              <a:rPr lang="en-US" altLang="en-US" sz="2600" dirty="0">
                 <a:solidFill>
                   <a:schemeClr val="tx1"/>
                 </a:solidFill>
@@ -6294,7 +6696,7 @@
               <a:buNone/>
             </a:pPr>
             <a:r>
-              <a:rPr lang="en-US" altLang="en-US" sz="2600">
+              <a:rPr lang="en-US" altLang="en-US" sz="2600" dirty="0">
                 <a:solidFill>
                   <a:schemeClr val="tx1"/>
                 </a:solidFill>
@@ -6302,7 +6704,29 @@
                 <a:ea typeface="ＭＳ Ｐゴシック" panose="020B0600070205080204" pitchFamily="34" charset="-128"/>
                 <a:cs typeface="Arial" panose="020B0604020202020204" pitchFamily="34" charset="0"/>
               </a:rPr>
-              <a:t> ?city a yago:WikicatCitiesInMaryland;</a:t>
+              <a:t> ?city a </a:t>
+            </a:r>
+            <a:r>
+              <a:rPr lang="en-US" altLang="en-US" sz="2600" dirty="0" err="1">
+                <a:solidFill>
+                  <a:schemeClr val="tx1"/>
+                </a:solidFill>
+                <a:latin typeface="Arial" panose="020B0604020202020204" pitchFamily="34" charset="0"/>
+                <a:ea typeface="ＭＳ Ｐゴシック" panose="020B0600070205080204" pitchFamily="34" charset="-128"/>
+                <a:cs typeface="Arial" panose="020B0604020202020204" pitchFamily="34" charset="0"/>
+              </a:rPr>
+              <a:t>yago:WikicatCitiesInMaryland</a:t>
+            </a:r>
+            <a:r>
+              <a:rPr lang="en-US" altLang="en-US" sz="2600" dirty="0">
+                <a:solidFill>
+                  <a:schemeClr val="tx1"/>
+                </a:solidFill>
+                <a:latin typeface="Arial" panose="020B0604020202020204" pitchFamily="34" charset="0"/>
+                <a:ea typeface="ＭＳ Ｐゴシック" panose="020B0600070205080204" pitchFamily="34" charset="-128"/>
+                <a:cs typeface="Arial" panose="020B0604020202020204" pitchFamily="34" charset="0"/>
+              </a:rPr>
+              <a:t>;</a:t>
             </a:r>
           </a:p>
           <a:p>
@@ -6317,7 +6741,7 @@
               <a:buNone/>
             </a:pPr>
             <a:r>
-              <a:rPr lang="en-US" altLang="en-US" sz="2600">
+              <a:rPr lang="en-US" altLang="en-US" sz="2600" dirty="0">
                 <a:solidFill>
                   <a:schemeClr val="tx1"/>
                 </a:solidFill>
@@ -6325,7 +6749,29 @@
                 <a:ea typeface="ＭＳ Ｐゴシック" panose="020B0600070205080204" pitchFamily="34" charset="-128"/>
                 <a:cs typeface="Arial" panose="020B0604020202020204" pitchFamily="34" charset="0"/>
               </a:rPr>
-              <a:t>      dbo:populationTotal ?population;</a:t>
+              <a:t>      </a:t>
+            </a:r>
+            <a:r>
+              <a:rPr lang="en-US" altLang="en-US" sz="2600" dirty="0" err="1">
+                <a:solidFill>
+                  <a:schemeClr val="tx1"/>
+                </a:solidFill>
+                <a:latin typeface="Arial" panose="020B0604020202020204" pitchFamily="34" charset="0"/>
+                <a:ea typeface="ＭＳ Ｐゴシック" panose="020B0600070205080204" pitchFamily="34" charset="-128"/>
+                <a:cs typeface="Arial" panose="020B0604020202020204" pitchFamily="34" charset="0"/>
+              </a:rPr>
+              <a:t>dbo:populationTotal</a:t>
+            </a:r>
+            <a:r>
+              <a:rPr lang="en-US" altLang="en-US" sz="2600" dirty="0">
+                <a:solidFill>
+                  <a:schemeClr val="tx1"/>
+                </a:solidFill>
+                <a:latin typeface="Arial" panose="020B0604020202020204" pitchFamily="34" charset="0"/>
+                <a:ea typeface="ＭＳ Ｐゴシック" panose="020B0600070205080204" pitchFamily="34" charset="-128"/>
+                <a:cs typeface="Arial" panose="020B0604020202020204" pitchFamily="34" charset="0"/>
+              </a:rPr>
+              <a:t> ?population;</a:t>
             </a:r>
           </a:p>
           <a:p>
@@ -6340,7 +6786,7 @@
               <a:buNone/>
             </a:pPr>
             <a:r>
-              <a:rPr lang="en-US" altLang="en-US" sz="2600">
+              <a:rPr lang="en-US" altLang="en-US" sz="2600" dirty="0">
                 <a:solidFill>
                   <a:schemeClr val="tx1"/>
                 </a:solidFill>
@@ -6348,7 +6794,29 @@
                 <a:ea typeface="ＭＳ Ｐゴシック" panose="020B0600070205080204" pitchFamily="34" charset="-128"/>
                 <a:cs typeface="Arial" panose="020B0604020202020204" pitchFamily="34" charset="0"/>
               </a:rPr>
-              <a:t>      rdfs:label ?name .</a:t>
+              <a:t>      </a:t>
+            </a:r>
+            <a:r>
+              <a:rPr lang="en-US" altLang="en-US" sz="2600" dirty="0" err="1">
+                <a:solidFill>
+                  <a:schemeClr val="tx1"/>
+                </a:solidFill>
+                <a:latin typeface="Arial" panose="020B0604020202020204" pitchFamily="34" charset="0"/>
+                <a:ea typeface="ＭＳ Ｐゴシック" panose="020B0600070205080204" pitchFamily="34" charset="-128"/>
+                <a:cs typeface="Arial" panose="020B0604020202020204" pitchFamily="34" charset="0"/>
+              </a:rPr>
+              <a:t>rdfs:label</a:t>
+            </a:r>
+            <a:r>
+              <a:rPr lang="en-US" altLang="en-US" sz="2600" dirty="0">
+                <a:solidFill>
+                  <a:schemeClr val="tx1"/>
+                </a:solidFill>
+                <a:latin typeface="Arial" panose="020B0604020202020204" pitchFamily="34" charset="0"/>
+                <a:ea typeface="ＭＳ Ｐゴシック" panose="020B0600070205080204" pitchFamily="34" charset="-128"/>
+                <a:cs typeface="Arial" panose="020B0604020202020204" pitchFamily="34" charset="0"/>
+              </a:rPr>
+              <a:t> ?name .</a:t>
             </a:r>
           </a:p>
           <a:p>
@@ -6363,7 +6831,7 @@
               <a:buNone/>
             </a:pPr>
             <a:r>
-              <a:rPr lang="en-US" altLang="en-US" sz="2600" b="1">
+              <a:rPr lang="en-US" altLang="en-US" sz="2600" b="1" dirty="0">
                 <a:solidFill>
                   <a:schemeClr val="tx1"/>
                 </a:solidFill>
@@ -6371,7 +6839,29 @@
                 <a:ea typeface="ＭＳ Ｐゴシック" panose="020B0600070205080204" pitchFamily="34" charset="-128"/>
                 <a:cs typeface="Arial" panose="020B0604020202020204" pitchFamily="34" charset="0"/>
               </a:rPr>
-              <a:t>  FILTER (LANG(?name) = "en")</a:t>
+              <a:t>  FILTER (LANG(?name) = "</a:t>
+            </a:r>
+            <a:r>
+              <a:rPr lang="en-US" altLang="en-US" sz="2600" b="1" dirty="0" err="1">
+                <a:solidFill>
+                  <a:schemeClr val="tx1"/>
+                </a:solidFill>
+                <a:latin typeface="Arial" panose="020B0604020202020204" pitchFamily="34" charset="0"/>
+                <a:ea typeface="ＭＳ Ｐゴシック" panose="020B0600070205080204" pitchFamily="34" charset="-128"/>
+                <a:cs typeface="Arial" panose="020B0604020202020204" pitchFamily="34" charset="0"/>
+              </a:rPr>
+              <a:t>en</a:t>
+            </a:r>
+            <a:r>
+              <a:rPr lang="en-US" altLang="en-US" sz="2600" b="1" dirty="0">
+                <a:solidFill>
+                  <a:schemeClr val="tx1"/>
+                </a:solidFill>
+                <a:latin typeface="Arial" panose="020B0604020202020204" pitchFamily="34" charset="0"/>
+                <a:ea typeface="ＭＳ Ｐゴシック" panose="020B0600070205080204" pitchFamily="34" charset="-128"/>
+                <a:cs typeface="Arial" panose="020B0604020202020204" pitchFamily="34" charset="0"/>
+              </a:rPr>
+              <a:t>")</a:t>
             </a:r>
           </a:p>
           <a:p>
@@ -6386,7 +6876,7 @@
               <a:buNone/>
             </a:pPr>
             <a:r>
-              <a:rPr lang="en-US" altLang="en-US" sz="2600">
+              <a:rPr lang="en-US" altLang="en-US" sz="2600" dirty="0">
                 <a:solidFill>
                   <a:schemeClr val="tx1"/>
                 </a:solidFill>
@@ -6492,7 +6982,7 @@
               <a:buNone/>
             </a:pPr>
             <a:r>
-              <a:rPr lang="en-US" altLang="en-US" i="1">
+              <a:rPr lang="en-US" altLang="en-US" i="1" dirty="0">
                 <a:solidFill>
                   <a:schemeClr val="tx1"/>
                 </a:solidFill>
@@ -6515,7 +7005,7 @@
               <a:buNone/>
             </a:pPr>
             <a:r>
-              <a:rPr lang="en-US" altLang="en-US">
+              <a:rPr lang="en-US" altLang="en-US" dirty="0">
                 <a:solidFill>
                   <a:schemeClr val="tx1"/>
                 </a:solidFill>
@@ -6523,10 +7013,32 @@
                 <a:ea typeface="ＭＳ Ｐゴシック" panose="020B0600070205080204" pitchFamily="34" charset="-128"/>
                 <a:cs typeface="Arial" panose="020B0604020202020204" pitchFamily="34" charset="0"/>
               </a:rPr>
-              <a:t>PREFIX yago:  </a:t>
-            </a:r>
-            <a:r>
-              <a:rPr lang="en-US" altLang="en-US">
+              <a:t>PREFIX </a:t>
+            </a:r>
+            <a:r>
+              <a:rPr lang="en-US" altLang="en-US" dirty="0" err="1">
+                <a:solidFill>
+                  <a:schemeClr val="tx1"/>
+                </a:solidFill>
+                <a:latin typeface="Arial" panose="020B0604020202020204" pitchFamily="34" charset="0"/>
+                <a:ea typeface="ＭＳ Ｐゴシック" panose="020B0600070205080204" pitchFamily="34" charset="-128"/>
+                <a:cs typeface="Arial" panose="020B0604020202020204" pitchFamily="34" charset="0"/>
+              </a:rPr>
+              <a:t>yago</a:t>
+            </a:r>
+            <a:r>
+              <a:rPr lang="en-US" altLang="en-US" dirty="0">
+                <a:solidFill>
+                  <a:schemeClr val="tx1"/>
+                </a:solidFill>
+                <a:latin typeface="Arial" panose="020B0604020202020204" pitchFamily="34" charset="0"/>
+                <a:ea typeface="ＭＳ Ｐゴシック" panose="020B0600070205080204" pitchFamily="34" charset="-128"/>
+                <a:cs typeface="Arial" panose="020B0604020202020204" pitchFamily="34" charset="0"/>
+              </a:rPr>
+              <a:t>:  </a:t>
+            </a:r>
+            <a:r>
+              <a:rPr lang="en-US" altLang="en-US" dirty="0">
                 <a:solidFill>
                   <a:schemeClr val="tx1"/>
                 </a:solidFill>
@@ -6537,7 +7049,7 @@
               </a:rPr>
               <a:t>http://dbpedia.org/class/yago/</a:t>
             </a:r>
-            <a:endParaRPr lang="en-US" altLang="en-US">
+            <a:endParaRPr lang="en-US" altLang="en-US" dirty="0">
               <a:solidFill>
                 <a:schemeClr val="tx1"/>
               </a:solidFill>
@@ -6558,7 +7070,7 @@
               <a:buNone/>
             </a:pPr>
             <a:r>
-              <a:rPr lang="en-US" altLang="en-US">
+              <a:rPr lang="en-US" altLang="en-US" dirty="0">
                 <a:solidFill>
                   <a:schemeClr val="tx1"/>
                 </a:solidFill>
@@ -6566,9 +7078,53 @@
                 <a:ea typeface="ＭＳ Ｐゴシック" panose="020B0600070205080204" pitchFamily="34" charset="-128"/>
                 <a:cs typeface="Arial" panose="020B0604020202020204" pitchFamily="34" charset="0"/>
               </a:rPr>
-              <a:t>PREFIX dbo: &lt;http://dbpedia.org/ontology/&gt;</a:t>
-            </a:r>
-            <a:endParaRPr lang="en-US" altLang="en-US" i="1">
+              <a:t>PREFIX </a:t>
+            </a:r>
+            <a:r>
+              <a:rPr lang="en-US" altLang="en-US" dirty="0" err="1">
+                <a:solidFill>
+                  <a:schemeClr val="tx1"/>
+                </a:solidFill>
+                <a:latin typeface="Arial" panose="020B0604020202020204" pitchFamily="34" charset="0"/>
+                <a:ea typeface="ＭＳ Ｐゴシック" panose="020B0600070205080204" pitchFamily="34" charset="-128"/>
+                <a:cs typeface="Arial" panose="020B0604020202020204" pitchFamily="34" charset="0"/>
+              </a:rPr>
+              <a:t>dbo</a:t>
+            </a:r>
+            <a:r>
+              <a:rPr lang="en-US" altLang="en-US" dirty="0">
+                <a:solidFill>
+                  <a:schemeClr val="tx1"/>
+                </a:solidFill>
+                <a:latin typeface="Arial" panose="020B0604020202020204" pitchFamily="34" charset="0"/>
+                <a:ea typeface="ＭＳ Ｐゴシック" panose="020B0600070205080204" pitchFamily="34" charset="-128"/>
+                <a:cs typeface="Arial" panose="020B0604020202020204" pitchFamily="34" charset="0"/>
+              </a:rPr>
+              <a:t>: &lt;http://</a:t>
+            </a:r>
+            <a:r>
+              <a:rPr lang="en-US" altLang="en-US" dirty="0" err="1">
+                <a:solidFill>
+                  <a:schemeClr val="tx1"/>
+                </a:solidFill>
+                <a:latin typeface="Arial" panose="020B0604020202020204" pitchFamily="34" charset="0"/>
+                <a:ea typeface="ＭＳ Ｐゴシック" panose="020B0600070205080204" pitchFamily="34" charset="-128"/>
+                <a:cs typeface="Arial" panose="020B0604020202020204" pitchFamily="34" charset="0"/>
+              </a:rPr>
+              <a:t>dbpedia.org</a:t>
+            </a:r>
+            <a:r>
+              <a:rPr lang="en-US" altLang="en-US" dirty="0">
+                <a:solidFill>
+                  <a:schemeClr val="tx1"/>
+                </a:solidFill>
+                <a:latin typeface="Arial" panose="020B0604020202020204" pitchFamily="34" charset="0"/>
+                <a:ea typeface="ＭＳ Ｐゴシック" panose="020B0600070205080204" pitchFamily="34" charset="-128"/>
+                <a:cs typeface="Arial" panose="020B0604020202020204" pitchFamily="34" charset="0"/>
+              </a:rPr>
+              <a:t>/ontology/&gt;</a:t>
+            </a:r>
+            <a:endParaRPr lang="en-US" altLang="en-US" i="1" dirty="0">
               <a:solidFill>
                 <a:schemeClr val="tx1"/>
               </a:solidFill>
@@ -6588,7 +7144,7 @@
               <a:buFont typeface="Wingdings" pitchFamily="2" charset="2"/>
               <a:buNone/>
             </a:pPr>
-            <a:endParaRPr lang="en-US" altLang="en-US" sz="800">
+            <a:endParaRPr lang="en-US" altLang="en-US" sz="800" dirty="0">
               <a:solidFill>
                 <a:schemeClr val="tx1"/>
               </a:solidFill>
@@ -6609,7 +7165,7 @@
               <a:buNone/>
             </a:pPr>
             <a:r>
-              <a:rPr lang="en-US" altLang="en-US">
+              <a:rPr lang="en-US" altLang="en-US" dirty="0">
                 <a:solidFill>
                   <a:schemeClr val="tx1"/>
                 </a:solidFill>
@@ -6632,7 +7188,7 @@
               <a:buNone/>
             </a:pPr>
             <a:r>
-              <a:rPr lang="en-US" altLang="en-US">
+              <a:rPr lang="en-US" altLang="en-US" dirty="0">
                 <a:solidFill>
                   <a:schemeClr val="tx1"/>
                 </a:solidFill>
@@ -6640,7 +7196,29 @@
                 <a:ea typeface="ＭＳ Ｐゴシック" panose="020B0600070205080204" pitchFamily="34" charset="-128"/>
                 <a:cs typeface="Arial" panose="020B0604020202020204" pitchFamily="34" charset="0"/>
               </a:rPr>
-              <a:t> ?city a yago:WikicatCitiesInMaryland;</a:t>
+              <a:t> ?city a </a:t>
+            </a:r>
+            <a:r>
+              <a:rPr lang="en-US" altLang="en-US" dirty="0" err="1">
+                <a:solidFill>
+                  <a:schemeClr val="tx1"/>
+                </a:solidFill>
+                <a:latin typeface="Arial" panose="020B0604020202020204" pitchFamily="34" charset="0"/>
+                <a:ea typeface="ＭＳ Ｐゴシック" panose="020B0600070205080204" pitchFamily="34" charset="-128"/>
+                <a:cs typeface="Arial" panose="020B0604020202020204" pitchFamily="34" charset="0"/>
+              </a:rPr>
+              <a:t>yago:WikicatCitiesInMaryland</a:t>
+            </a:r>
+            <a:r>
+              <a:rPr lang="en-US" altLang="en-US" dirty="0">
+                <a:solidFill>
+                  <a:schemeClr val="tx1"/>
+                </a:solidFill>
+                <a:latin typeface="Arial" panose="020B0604020202020204" pitchFamily="34" charset="0"/>
+                <a:ea typeface="ＭＳ Ｐゴシック" panose="020B0600070205080204" pitchFamily="34" charset="-128"/>
+                <a:cs typeface="Arial" panose="020B0604020202020204" pitchFamily="34" charset="0"/>
+              </a:rPr>
+              <a:t>;</a:t>
             </a:r>
           </a:p>
           <a:p>
@@ -6655,7 +7233,7 @@
               <a:buNone/>
             </a:pPr>
             <a:r>
-              <a:rPr lang="en-US" altLang="en-US">
+              <a:rPr lang="en-US" altLang="en-US" dirty="0">
                 <a:solidFill>
                   <a:schemeClr val="tx1"/>
                 </a:solidFill>
@@ -6663,7 +7241,29 @@
                 <a:ea typeface="ＭＳ Ｐゴシック" panose="020B0600070205080204" pitchFamily="34" charset="-128"/>
                 <a:cs typeface="Arial" panose="020B0604020202020204" pitchFamily="34" charset="0"/>
               </a:rPr>
-              <a:t>      dbo:populationTotal ?population;</a:t>
+              <a:t>      </a:t>
+            </a:r>
+            <a:r>
+              <a:rPr lang="en-US" altLang="en-US" dirty="0" err="1">
+                <a:solidFill>
+                  <a:schemeClr val="tx1"/>
+                </a:solidFill>
+                <a:latin typeface="Arial" panose="020B0604020202020204" pitchFamily="34" charset="0"/>
+                <a:ea typeface="ＭＳ Ｐゴシック" panose="020B0600070205080204" pitchFamily="34" charset="-128"/>
+                <a:cs typeface="Arial" panose="020B0604020202020204" pitchFamily="34" charset="0"/>
+              </a:rPr>
+              <a:t>dbo:populationTotal</a:t>
+            </a:r>
+            <a:r>
+              <a:rPr lang="en-US" altLang="en-US" dirty="0">
+                <a:solidFill>
+                  <a:schemeClr val="tx1"/>
+                </a:solidFill>
+                <a:latin typeface="Arial" panose="020B0604020202020204" pitchFamily="34" charset="0"/>
+                <a:ea typeface="ＭＳ Ｐゴシック" panose="020B0600070205080204" pitchFamily="34" charset="-128"/>
+                <a:cs typeface="Arial" panose="020B0604020202020204" pitchFamily="34" charset="0"/>
+              </a:rPr>
+              <a:t> ?population;</a:t>
             </a:r>
           </a:p>
           <a:p>
@@ -6678,7 +7278,7 @@
               <a:buNone/>
             </a:pPr>
             <a:r>
-              <a:rPr lang="en-US" altLang="en-US">
+              <a:rPr lang="en-US" altLang="en-US" dirty="0">
                 <a:solidFill>
                   <a:schemeClr val="tx1"/>
                 </a:solidFill>
@@ -6686,7 +7286,29 @@
                 <a:ea typeface="ＭＳ Ｐゴシック" panose="020B0600070205080204" pitchFamily="34" charset="-128"/>
                 <a:cs typeface="Arial" panose="020B0604020202020204" pitchFamily="34" charset="0"/>
               </a:rPr>
-              <a:t>      rdfs:label ?name .</a:t>
+              <a:t>      </a:t>
+            </a:r>
+            <a:r>
+              <a:rPr lang="en-US" altLang="en-US" dirty="0" err="1">
+                <a:solidFill>
+                  <a:schemeClr val="tx1"/>
+                </a:solidFill>
+                <a:latin typeface="Arial" panose="020B0604020202020204" pitchFamily="34" charset="0"/>
+                <a:ea typeface="ＭＳ Ｐゴシック" panose="020B0600070205080204" pitchFamily="34" charset="-128"/>
+                <a:cs typeface="Arial" panose="020B0604020202020204" pitchFamily="34" charset="0"/>
+              </a:rPr>
+              <a:t>rdfs:label</a:t>
+            </a:r>
+            <a:r>
+              <a:rPr lang="en-US" altLang="en-US" dirty="0">
+                <a:solidFill>
+                  <a:schemeClr val="tx1"/>
+                </a:solidFill>
+                <a:latin typeface="Arial" panose="020B0604020202020204" pitchFamily="34" charset="0"/>
+                <a:ea typeface="ＭＳ Ｐゴシック" panose="020B0600070205080204" pitchFamily="34" charset="-128"/>
+                <a:cs typeface="Arial" panose="020B0604020202020204" pitchFamily="34" charset="0"/>
+              </a:rPr>
+              <a:t> ?name .</a:t>
             </a:r>
           </a:p>
           <a:p>
@@ -6701,7 +7323,7 @@
               <a:buNone/>
             </a:pPr>
             <a:r>
-              <a:rPr lang="en-US" altLang="en-US">
+              <a:rPr lang="en-US" altLang="en-US" dirty="0">
                 <a:solidFill>
                   <a:schemeClr val="tx1"/>
                 </a:solidFill>
@@ -6709,7 +7331,29 @@
                 <a:ea typeface="ＭＳ Ｐゴシック" panose="020B0600070205080204" pitchFamily="34" charset="-128"/>
                 <a:cs typeface="Arial" panose="020B0604020202020204" pitchFamily="34" charset="0"/>
               </a:rPr>
-              <a:t>  FILTER (LANG(?name) = "en")</a:t>
+              <a:t>  FILTER (LANG(?name) = "</a:t>
+            </a:r>
+            <a:r>
+              <a:rPr lang="en-US" altLang="en-US" dirty="0" err="1">
+                <a:solidFill>
+                  <a:schemeClr val="tx1"/>
+                </a:solidFill>
+                <a:latin typeface="Arial" panose="020B0604020202020204" pitchFamily="34" charset="0"/>
+                <a:ea typeface="ＭＳ Ｐゴシック" panose="020B0600070205080204" pitchFamily="34" charset="-128"/>
+                <a:cs typeface="Arial" panose="020B0604020202020204" pitchFamily="34" charset="0"/>
+              </a:rPr>
+              <a:t>en</a:t>
+            </a:r>
+            <a:r>
+              <a:rPr lang="en-US" altLang="en-US" dirty="0">
+                <a:solidFill>
+                  <a:schemeClr val="tx1"/>
+                </a:solidFill>
+                <a:latin typeface="Arial" panose="020B0604020202020204" pitchFamily="34" charset="0"/>
+                <a:ea typeface="ＭＳ Ｐゴシック" panose="020B0600070205080204" pitchFamily="34" charset="-128"/>
+                <a:cs typeface="Arial" panose="020B0604020202020204" pitchFamily="34" charset="0"/>
+              </a:rPr>
+              <a:t>")</a:t>
             </a:r>
           </a:p>
           <a:p>
@@ -6724,7 +7368,7 @@
               <a:buNone/>
             </a:pPr>
             <a:r>
-              <a:rPr lang="en-US" altLang="en-US">
+              <a:rPr lang="en-US" altLang="en-US" dirty="0">
                 <a:solidFill>
                   <a:schemeClr val="tx1"/>
                 </a:solidFill>
@@ -6747,7 +7391,7 @@
               <a:buNone/>
             </a:pPr>
             <a:r>
-              <a:rPr lang="en-US" altLang="en-US" b="1">
+              <a:rPr lang="en-US" altLang="en-US" b="1" dirty="0">
                 <a:solidFill>
                   <a:schemeClr val="tx1"/>
                 </a:solidFill>
@@ -16743,14 +17387,14 @@
               <a:defRPr/>
             </a:pPr>
             <a:r>
-              <a:rPr lang="en-US" sz="3200"/>
+              <a:rPr lang="en-US" sz="3200" dirty="0"/>
               <a:t>https://</a:t>
             </a:r>
             <a:r>
-              <a:rPr lang="en-US" sz="3200" err="1"/>
+              <a:rPr lang="en-US" sz="3200" dirty="0" err="1"/>
               <a:t>yasgui.org</a:t>
             </a:r>
-            <a:endParaRPr lang="en-US" sz="3200"/>
+            <a:endParaRPr lang="en-US" sz="3200" dirty="0"/>
           </a:p>
         </p:txBody>
       </p:sp>
